--- a/Bullets_and_takeout.pptx
+++ b/Bullets_and_takeout.pptx
@@ -246,7 +246,7 @@
           <a:p>
             <a:fld id="{77AB6CFA-8C06-A742-9C67-9EB8DDEC067B}" type="datetimeFigureOut">
               <a:rPr lang="en-US" smtClean="0"/>
-              <a:t>9/8/24</a:t>
+              <a:t>9/22/24</a:t>
             </a:fld>
             <a:endParaRPr lang="en-US"/>
           </a:p>
@@ -558,21 +558,6 @@
           <a:bodyPr/>
           <a:lstStyle/>
           <a:p>
-            <a:r>
-              <a:rPr lang="en-GB" dirty="0"/>
-              <a:t>Please note – any references that say they are from “Knowledge Base” should be checked. </a:t>
-            </a:r>
-          </a:p>
-          <a:p>
-            <a:endParaRPr lang="en-GB" dirty="0"/>
-          </a:p>
-          <a:p>
-            <a:r>
-              <a:rPr lang="en-GB" dirty="0"/>
-              <a:t>This means that GPT has either extrapolated directly from its knowledge base (vs. a source), or made a leap from a source. Basically, if it says “Knowledge Base” it’s a red flag for a potential hallucination and has to be checked manually. </a:t>
-            </a:r>
-          </a:p>
-          <a:p>
             <a:endParaRPr lang="en-US" dirty="0"/>
           </a:p>
         </p:txBody>
@@ -657,21 +642,6 @@
           <a:bodyPr/>
           <a:lstStyle/>
           <a:p>
-            <a:r>
-              <a:rPr lang="en-GB" dirty="0"/>
-              <a:t>Please note – any references that say they are from “Knowledge Base” should be checked. </a:t>
-            </a:r>
-          </a:p>
-          <a:p>
-            <a:endParaRPr lang="en-GB" dirty="0"/>
-          </a:p>
-          <a:p>
-            <a:r>
-              <a:rPr lang="en-GB" dirty="0"/>
-              <a:t>This means that GPT has either extrapolated directly from its knowledge base (vs. a source), or made a leap from a source. Basically, if it says “Knowledge Base” it’s a red flag for a potential hallucination and has to be checked manually. </a:t>
-            </a:r>
-          </a:p>
-          <a:p>
             <a:endParaRPr lang="en-US" dirty="0"/>
           </a:p>
         </p:txBody>
@@ -756,21 +726,6 @@
           <a:bodyPr/>
           <a:lstStyle/>
           <a:p>
-            <a:r>
-              <a:rPr lang="en-GB" dirty="0"/>
-              <a:t>Please note – any references that say they are from “Knowledge Base” should be checked. </a:t>
-            </a:r>
-          </a:p>
-          <a:p>
-            <a:endParaRPr lang="en-GB" dirty="0"/>
-          </a:p>
-          <a:p>
-            <a:r>
-              <a:rPr lang="en-GB" dirty="0"/>
-              <a:t>This means that GPT has either extrapolated directly from its knowledge base (vs. a source), or made a leap from a source. Basically, if it says “Knowledge Base” it’s a red flag for a potential hallucination and has to be checked manually. </a:t>
-            </a:r>
-          </a:p>
-          <a:p>
             <a:endParaRPr lang="en-US" dirty="0"/>
           </a:p>
         </p:txBody>
@@ -855,21 +810,6 @@
           <a:bodyPr/>
           <a:lstStyle/>
           <a:p>
-            <a:r>
-              <a:rPr lang="en-GB" dirty="0"/>
-              <a:t>Please note – any references that say they are from “Knowledge Base” should be checked. </a:t>
-            </a:r>
-          </a:p>
-          <a:p>
-            <a:endParaRPr lang="en-GB" dirty="0"/>
-          </a:p>
-          <a:p>
-            <a:r>
-              <a:rPr lang="en-GB" dirty="0"/>
-              <a:t>This means that GPT has either extrapolated directly from its knowledge base (vs. a source), or made a leap from a source. Basically, if it says “Knowledge Base” it’s a red flag for a potential hallucination and has to be checked manually. </a:t>
-            </a:r>
-          </a:p>
-          <a:p>
             <a:endParaRPr lang="en-US" dirty="0"/>
           </a:p>
         </p:txBody>
@@ -954,21 +894,6 @@
           <a:bodyPr/>
           <a:lstStyle/>
           <a:p>
-            <a:r>
-              <a:rPr lang="en-GB" dirty="0"/>
-              <a:t>Please note – any references that say they are from “Knowledge Base” should be checked. </a:t>
-            </a:r>
-          </a:p>
-          <a:p>
-            <a:endParaRPr lang="en-GB" dirty="0"/>
-          </a:p>
-          <a:p>
-            <a:r>
-              <a:rPr lang="en-GB" dirty="0"/>
-              <a:t>This means that GPT has either extrapolated directly from its knowledge base (vs. a source), or made a leap from a source. Basically, if it says “Knowledge Base” it’s a red flag for a potential hallucination and has to be checked manually. </a:t>
-            </a:r>
-          </a:p>
-          <a:p>
             <a:endParaRPr lang="en-US" dirty="0"/>
           </a:p>
         </p:txBody>
@@ -1053,21 +978,6 @@
           <a:bodyPr/>
           <a:lstStyle/>
           <a:p>
-            <a:r>
-              <a:rPr lang="en-GB" dirty="0"/>
-              <a:t>Please note – any references that say they are from “Knowledge Base” should be checked. </a:t>
-            </a:r>
-          </a:p>
-          <a:p>
-            <a:endParaRPr lang="en-GB" dirty="0"/>
-          </a:p>
-          <a:p>
-            <a:r>
-              <a:rPr lang="en-GB" dirty="0"/>
-              <a:t>This means that GPT has either extrapolated directly from its knowledge base (vs. a source), or made a leap from a source. Basically, if it says “Knowledge Base” it’s a red flag for a potential hallucination and has to be checked manually. </a:t>
-            </a:r>
-          </a:p>
-          <a:p>
             <a:endParaRPr lang="en-US" dirty="0"/>
           </a:p>
         </p:txBody>
@@ -1152,21 +1062,6 @@
           <a:bodyPr/>
           <a:lstStyle/>
           <a:p>
-            <a:r>
-              <a:rPr lang="en-GB" dirty="0"/>
-              <a:t>Please note – any references that say they are from “Knowledge Base” should be checked. </a:t>
-            </a:r>
-          </a:p>
-          <a:p>
-            <a:endParaRPr lang="en-GB" dirty="0"/>
-          </a:p>
-          <a:p>
-            <a:r>
-              <a:rPr lang="en-GB" dirty="0"/>
-              <a:t>This means that GPT has either extrapolated directly from its knowledge base (vs. a source), or made a leap from a source. Basically, if it says “Knowledge Base” it’s a red flag for a potential hallucination and has to be checked manually. </a:t>
-            </a:r>
-          </a:p>
-          <a:p>
             <a:endParaRPr lang="en-US" dirty="0"/>
           </a:p>
         </p:txBody>
@@ -1251,21 +1146,6 @@
           <a:bodyPr/>
           <a:lstStyle/>
           <a:p>
-            <a:r>
-              <a:rPr lang="en-GB" dirty="0"/>
-              <a:t>Please note – any references that say they are from “Knowledge Base” should be checked. </a:t>
-            </a:r>
-          </a:p>
-          <a:p>
-            <a:endParaRPr lang="en-GB" dirty="0"/>
-          </a:p>
-          <a:p>
-            <a:r>
-              <a:rPr lang="en-GB" dirty="0"/>
-              <a:t>This means that GPT has either extrapolated directly from its knowledge base (vs. a source), or made a leap from a source. Basically, if it says “Knowledge Base” it’s a red flag for a potential hallucination and has to be checked manually. </a:t>
-            </a:r>
-          </a:p>
-          <a:p>
             <a:endParaRPr lang="en-US" dirty="0"/>
           </a:p>
         </p:txBody>
@@ -1350,21 +1230,6 @@
           <a:bodyPr/>
           <a:lstStyle/>
           <a:p>
-            <a:r>
-              <a:rPr lang="en-GB" dirty="0"/>
-              <a:t>Please note – any references that say they are from “Knowledge Base” should be checked. </a:t>
-            </a:r>
-          </a:p>
-          <a:p>
-            <a:endParaRPr lang="en-GB" dirty="0"/>
-          </a:p>
-          <a:p>
-            <a:r>
-              <a:rPr lang="en-GB" dirty="0"/>
-              <a:t>This means that GPT has either extrapolated directly from its knowledge base (vs. a source), or made a leap from a source. Basically, if it says “Knowledge Base” it’s a red flag for a potential hallucination and has to be checked manually. </a:t>
-            </a:r>
-          </a:p>
-          <a:p>
             <a:endParaRPr lang="en-US" dirty="0"/>
           </a:p>
         </p:txBody>
@@ -1449,21 +1314,6 @@
           <a:bodyPr/>
           <a:lstStyle/>
           <a:p>
-            <a:r>
-              <a:rPr lang="en-GB" dirty="0"/>
-              <a:t>Please note – any references that say they are from “Knowledge Base” should be checked. </a:t>
-            </a:r>
-          </a:p>
-          <a:p>
-            <a:endParaRPr lang="en-GB" dirty="0"/>
-          </a:p>
-          <a:p>
-            <a:r>
-              <a:rPr lang="en-GB" dirty="0"/>
-              <a:t>This means that GPT has either extrapolated directly from its knowledge base (vs. a source), or made a leap from a source. Basically, if it says “Knowledge Base” it’s a red flag for a potential hallucination and has to be checked manually. </a:t>
-            </a:r>
-          </a:p>
-          <a:p>
             <a:endParaRPr lang="en-US" dirty="0"/>
           </a:p>
         </p:txBody>
@@ -1548,21 +1398,6 @@
           <a:bodyPr/>
           <a:lstStyle/>
           <a:p>
-            <a:r>
-              <a:rPr lang="en-GB" dirty="0"/>
-              <a:t>Please note – any references that say they are from “Knowledge Base” should be checked. </a:t>
-            </a:r>
-          </a:p>
-          <a:p>
-            <a:endParaRPr lang="en-GB" dirty="0"/>
-          </a:p>
-          <a:p>
-            <a:r>
-              <a:rPr lang="en-GB" dirty="0"/>
-              <a:t>This means that GPT has either extrapolated directly from its knowledge base (vs. a source), or made a leap from a source. Basically, if it says “Knowledge Base” it’s a red flag for a potential hallucination and has to be checked manually. </a:t>
-            </a:r>
-          </a:p>
-          <a:p>
             <a:endParaRPr lang="en-US" dirty="0"/>
           </a:p>
         </p:txBody>
@@ -1647,21 +1482,6 @@
           <a:bodyPr/>
           <a:lstStyle/>
           <a:p>
-            <a:r>
-              <a:rPr lang="en-GB" dirty="0"/>
-              <a:t>Please note – any references that say they are from “Knowledge Base” should be checked. </a:t>
-            </a:r>
-          </a:p>
-          <a:p>
-            <a:endParaRPr lang="en-GB" dirty="0"/>
-          </a:p>
-          <a:p>
-            <a:r>
-              <a:rPr lang="en-GB" dirty="0"/>
-              <a:t>This means that GPT has either extrapolated directly from its knowledge base (vs. a source), or made a leap from a source. Basically, if it says “Knowledge Base” it’s a red flag for a potential hallucination and has to be checked manually. </a:t>
-            </a:r>
-          </a:p>
-          <a:p>
             <a:endParaRPr lang="en-US" dirty="0"/>
           </a:p>
         </p:txBody>
@@ -1746,21 +1566,6 @@
           <a:bodyPr/>
           <a:lstStyle/>
           <a:p>
-            <a:r>
-              <a:rPr lang="en-GB" dirty="0"/>
-              <a:t>Please note – any references that say they are from “Knowledge Base” should be checked. </a:t>
-            </a:r>
-          </a:p>
-          <a:p>
-            <a:endParaRPr lang="en-GB" dirty="0"/>
-          </a:p>
-          <a:p>
-            <a:r>
-              <a:rPr lang="en-GB" dirty="0"/>
-              <a:t>This means that GPT has either extrapolated directly from its knowledge base (vs. a source), or made a leap from a source. Basically, if it says “Knowledge Base” it’s a red flag for a potential hallucination and has to be checked manually. </a:t>
-            </a:r>
-          </a:p>
-          <a:p>
             <a:endParaRPr lang="en-US" dirty="0"/>
           </a:p>
         </p:txBody>
@@ -1845,21 +1650,6 @@
           <a:bodyPr/>
           <a:lstStyle/>
           <a:p>
-            <a:r>
-              <a:rPr lang="en-GB" dirty="0"/>
-              <a:t>Please note – any references that say they are from “Knowledge Base” should be checked. </a:t>
-            </a:r>
-          </a:p>
-          <a:p>
-            <a:endParaRPr lang="en-GB" dirty="0"/>
-          </a:p>
-          <a:p>
-            <a:r>
-              <a:rPr lang="en-GB" dirty="0"/>
-              <a:t>This means that GPT has either extrapolated directly from its knowledge base (vs. a source), or made a leap from a source. Basically, if it says “Knowledge Base” it’s a red flag for a potential hallucination and has to be checked manually. </a:t>
-            </a:r>
-          </a:p>
-          <a:p>
             <a:endParaRPr lang="en-US" dirty="0"/>
           </a:p>
         </p:txBody>
@@ -1944,21 +1734,6 @@
           <a:bodyPr/>
           <a:lstStyle/>
           <a:p>
-            <a:r>
-              <a:rPr lang="en-GB" dirty="0"/>
-              <a:t>Please note – any references that say they are from “Knowledge Base” should be checked. </a:t>
-            </a:r>
-          </a:p>
-          <a:p>
-            <a:endParaRPr lang="en-GB" dirty="0"/>
-          </a:p>
-          <a:p>
-            <a:r>
-              <a:rPr lang="en-GB" dirty="0"/>
-              <a:t>This means that GPT has either extrapolated directly from its knowledge base (vs. a source), or made a leap from a source. Basically, if it says “Knowledge Base” it’s a red flag for a potential hallucination and has to be checked manually. </a:t>
-            </a:r>
-          </a:p>
-          <a:p>
             <a:endParaRPr lang="en-US" dirty="0"/>
           </a:p>
         </p:txBody>
@@ -2043,21 +1818,6 @@
           <a:bodyPr/>
           <a:lstStyle/>
           <a:p>
-            <a:r>
-              <a:rPr lang="en-GB" dirty="0"/>
-              <a:t>Please note – any references that say they are from “Knowledge Base” should be checked. </a:t>
-            </a:r>
-          </a:p>
-          <a:p>
-            <a:endParaRPr lang="en-GB" dirty="0"/>
-          </a:p>
-          <a:p>
-            <a:r>
-              <a:rPr lang="en-GB" dirty="0"/>
-              <a:t>This means that GPT has either extrapolated directly from its knowledge base (vs. a source), or made a leap from a source. Basically, if it says “Knowledge Base” it’s a red flag for a potential hallucination and has to be checked manually. </a:t>
-            </a:r>
-          </a:p>
-          <a:p>
             <a:endParaRPr lang="en-US" dirty="0"/>
           </a:p>
         </p:txBody>
@@ -2142,21 +1902,6 @@
           <a:bodyPr/>
           <a:lstStyle/>
           <a:p>
-            <a:r>
-              <a:rPr lang="en-GB" dirty="0"/>
-              <a:t>Please note – any references that say they are from “Knowledge Base” should be checked. </a:t>
-            </a:r>
-          </a:p>
-          <a:p>
-            <a:endParaRPr lang="en-GB" dirty="0"/>
-          </a:p>
-          <a:p>
-            <a:r>
-              <a:rPr lang="en-GB" dirty="0"/>
-              <a:t>This means that GPT has either extrapolated directly from its knowledge base (vs. a source), or made a leap from a source. Basically, if it says “Knowledge Base” it’s a red flag for a potential hallucination and has to be checked manually. </a:t>
-            </a:r>
-          </a:p>
-          <a:p>
             <a:endParaRPr lang="en-US" dirty="0"/>
           </a:p>
         </p:txBody>
@@ -2241,21 +1986,6 @@
           <a:bodyPr/>
           <a:lstStyle/>
           <a:p>
-            <a:r>
-              <a:rPr lang="en-GB" dirty="0"/>
-              <a:t>Please note – any references that say they are from “Knowledge Base” should be checked. </a:t>
-            </a:r>
-          </a:p>
-          <a:p>
-            <a:endParaRPr lang="en-GB" dirty="0"/>
-          </a:p>
-          <a:p>
-            <a:r>
-              <a:rPr lang="en-GB" dirty="0"/>
-              <a:t>This means that GPT has either extrapolated directly from its knowledge base (vs. a source), or made a leap from a source. Basically, if it says “Knowledge Base” it’s a red flag for a potential hallucination and has to be checked manually. </a:t>
-            </a:r>
-          </a:p>
-          <a:p>
             <a:endParaRPr lang="en-US" dirty="0"/>
           </a:p>
         </p:txBody>
@@ -2340,21 +2070,6 @@
           <a:bodyPr/>
           <a:lstStyle/>
           <a:p>
-            <a:r>
-              <a:rPr lang="en-GB" dirty="0"/>
-              <a:t>Please note – any references that say they are from “Knowledge Base” should be checked. </a:t>
-            </a:r>
-          </a:p>
-          <a:p>
-            <a:endParaRPr lang="en-GB" dirty="0"/>
-          </a:p>
-          <a:p>
-            <a:r>
-              <a:rPr lang="en-GB" dirty="0"/>
-              <a:t>This means that GPT has either extrapolated directly from its knowledge base (vs. a source), or made a leap from a source. Basically, if it says “Knowledge Base” it’s a red flag for a potential hallucination and has to be checked manually. </a:t>
-            </a:r>
-          </a:p>
-          <a:p>
             <a:endParaRPr lang="en-US" dirty="0"/>
           </a:p>
         </p:txBody>
@@ -2439,21 +2154,6 @@
           <a:bodyPr/>
           <a:lstStyle/>
           <a:p>
-            <a:r>
-              <a:rPr lang="en-GB" dirty="0"/>
-              <a:t>Please note – any references that say they are from “Knowledge Base” should be checked. </a:t>
-            </a:r>
-          </a:p>
-          <a:p>
-            <a:endParaRPr lang="en-GB" dirty="0"/>
-          </a:p>
-          <a:p>
-            <a:r>
-              <a:rPr lang="en-GB" dirty="0"/>
-              <a:t>This means that GPT has either extrapolated directly from its knowledge base (vs. a source), or made a leap from a source. Basically, if it says “Knowledge Base” it’s a red flag for a potential hallucination and has to be checked manually. </a:t>
-            </a:r>
-          </a:p>
-          <a:p>
             <a:endParaRPr lang="en-US" dirty="0"/>
           </a:p>
         </p:txBody>
@@ -2538,21 +2238,6 @@
           <a:bodyPr/>
           <a:lstStyle/>
           <a:p>
-            <a:r>
-              <a:rPr lang="en-GB" dirty="0"/>
-              <a:t>Please note – any references that say they are from “Knowledge Base” should be checked. </a:t>
-            </a:r>
-          </a:p>
-          <a:p>
-            <a:endParaRPr lang="en-GB" dirty="0"/>
-          </a:p>
-          <a:p>
-            <a:r>
-              <a:rPr lang="en-GB" dirty="0"/>
-              <a:t>This means that GPT has either extrapolated directly from its knowledge base (vs. a source), or made a leap from a source. Basically, if it says “Knowledge Base” it’s a red flag for a potential hallucination and has to be checked manually. </a:t>
-            </a:r>
-          </a:p>
-          <a:p>
             <a:endParaRPr lang="en-US" dirty="0"/>
           </a:p>
         </p:txBody>
@@ -2637,21 +2322,6 @@
           <a:bodyPr/>
           <a:lstStyle/>
           <a:p>
-            <a:r>
-              <a:rPr lang="en-GB" dirty="0"/>
-              <a:t>Please note – any references that say they are from “Knowledge Base” should be checked. </a:t>
-            </a:r>
-          </a:p>
-          <a:p>
-            <a:endParaRPr lang="en-GB" dirty="0"/>
-          </a:p>
-          <a:p>
-            <a:r>
-              <a:rPr lang="en-GB" dirty="0"/>
-              <a:t>This means that GPT has either extrapolated directly from its knowledge base (vs. a source), or made a leap from a source. Basically, if it says “Knowledge Base” it’s a red flag for a potential hallucination and has to be checked manually. </a:t>
-            </a:r>
-          </a:p>
-          <a:p>
             <a:endParaRPr lang="en-US" dirty="0"/>
           </a:p>
         </p:txBody>
@@ -2736,21 +2406,6 @@
           <a:bodyPr/>
           <a:lstStyle/>
           <a:p>
-            <a:r>
-              <a:rPr lang="en-GB" dirty="0"/>
-              <a:t>Please note – any references that say they are from “Knowledge Base” should be checked. </a:t>
-            </a:r>
-          </a:p>
-          <a:p>
-            <a:endParaRPr lang="en-GB" dirty="0"/>
-          </a:p>
-          <a:p>
-            <a:r>
-              <a:rPr lang="en-GB" dirty="0"/>
-              <a:t>This means that GPT has either extrapolated directly from its knowledge base (vs. a source), or made a leap from a source. Basically, if it says “Knowledge Base” it’s a red flag for a potential hallucination and has to be checked manually. </a:t>
-            </a:r>
-          </a:p>
-          <a:p>
             <a:endParaRPr lang="en-US" dirty="0"/>
           </a:p>
         </p:txBody>
@@ -2835,21 +2490,6 @@
           <a:bodyPr/>
           <a:lstStyle/>
           <a:p>
-            <a:r>
-              <a:rPr lang="en-GB" dirty="0"/>
-              <a:t>Please note – any references that say they are from “Knowledge Base” should be checked. </a:t>
-            </a:r>
-          </a:p>
-          <a:p>
-            <a:endParaRPr lang="en-GB" dirty="0"/>
-          </a:p>
-          <a:p>
-            <a:r>
-              <a:rPr lang="en-GB" dirty="0"/>
-              <a:t>This means that GPT has either extrapolated directly from its knowledge base (vs. a source), or made a leap from a source. Basically, if it says “Knowledge Base” it’s a red flag for a potential hallucination and has to be checked manually. </a:t>
-            </a:r>
-          </a:p>
-          <a:p>
             <a:endParaRPr lang="en-US" dirty="0"/>
           </a:p>
         </p:txBody>
@@ -2934,21 +2574,6 @@
           <a:bodyPr/>
           <a:lstStyle/>
           <a:p>
-            <a:r>
-              <a:rPr lang="en-GB" dirty="0"/>
-              <a:t>Please note – any references that say they are from “Knowledge Base” should be checked. </a:t>
-            </a:r>
-          </a:p>
-          <a:p>
-            <a:endParaRPr lang="en-GB" dirty="0"/>
-          </a:p>
-          <a:p>
-            <a:r>
-              <a:rPr lang="en-GB" dirty="0"/>
-              <a:t>This means that GPT has either extrapolated directly from its knowledge base (vs. a source), or made a leap from a source. Basically, if it says “Knowledge Base” it’s a red flag for a potential hallucination and has to be checked manually. </a:t>
-            </a:r>
-          </a:p>
-          <a:p>
             <a:endParaRPr lang="en-US" dirty="0"/>
           </a:p>
         </p:txBody>
@@ -3033,21 +2658,6 @@
           <a:bodyPr/>
           <a:lstStyle/>
           <a:p>
-            <a:r>
-              <a:rPr lang="en-GB" dirty="0"/>
-              <a:t>Please note – any references that say they are from “Knowledge Base” should be checked. </a:t>
-            </a:r>
-          </a:p>
-          <a:p>
-            <a:endParaRPr lang="en-GB" dirty="0"/>
-          </a:p>
-          <a:p>
-            <a:r>
-              <a:rPr lang="en-GB" dirty="0"/>
-              <a:t>This means that GPT has either extrapolated directly from its knowledge base (vs. a source), or made a leap from a source. Basically, if it says “Knowledge Base” it’s a red flag for a potential hallucination and has to be checked manually. </a:t>
-            </a:r>
-          </a:p>
-          <a:p>
             <a:endParaRPr lang="en-US" dirty="0"/>
           </a:p>
         </p:txBody>
@@ -3132,21 +2742,6 @@
           <a:bodyPr/>
           <a:lstStyle/>
           <a:p>
-            <a:r>
-              <a:rPr lang="en-GB" dirty="0"/>
-              <a:t>Please note – any references that say they are from “Knowledge Base” should be checked. </a:t>
-            </a:r>
-          </a:p>
-          <a:p>
-            <a:endParaRPr lang="en-GB" dirty="0"/>
-          </a:p>
-          <a:p>
-            <a:r>
-              <a:rPr lang="en-GB" dirty="0"/>
-              <a:t>This means that GPT has either extrapolated directly from its knowledge base (vs. a source), or made a leap from a source. Basically, if it says “Knowledge Base” it’s a red flag for a potential hallucination and has to be checked manually. </a:t>
-            </a:r>
-          </a:p>
-          <a:p>
             <a:endParaRPr lang="en-US" dirty="0"/>
           </a:p>
         </p:txBody>
@@ -3231,21 +2826,6 @@
           <a:bodyPr/>
           <a:lstStyle/>
           <a:p>
-            <a:r>
-              <a:rPr lang="en-GB" dirty="0"/>
-              <a:t>Please note – any references that say they are from “Knowledge Base” should be checked. </a:t>
-            </a:r>
-          </a:p>
-          <a:p>
-            <a:endParaRPr lang="en-GB" dirty="0"/>
-          </a:p>
-          <a:p>
-            <a:r>
-              <a:rPr lang="en-GB" dirty="0"/>
-              <a:t>This means that GPT has either extrapolated directly from its knowledge base (vs. a source), or made a leap from a source. Basically, if it says “Knowledge Base” it’s a red flag for a potential hallucination and has to be checked manually. </a:t>
-            </a:r>
-          </a:p>
-          <a:p>
             <a:endParaRPr lang="en-US" dirty="0"/>
           </a:p>
         </p:txBody>
@@ -3330,21 +2910,6 @@
           <a:bodyPr/>
           <a:lstStyle/>
           <a:p>
-            <a:r>
-              <a:rPr lang="en-GB" dirty="0"/>
-              <a:t>Please note – any references that say they are from “Knowledge Base” should be checked. </a:t>
-            </a:r>
-          </a:p>
-          <a:p>
-            <a:endParaRPr lang="en-GB" dirty="0"/>
-          </a:p>
-          <a:p>
-            <a:r>
-              <a:rPr lang="en-GB" dirty="0"/>
-              <a:t>This means that GPT has either extrapolated directly from its knowledge base (vs. a source), or made a leap from a source. Basically, if it says “Knowledge Base” it’s a red flag for a potential hallucination and has to be checked manually. </a:t>
-            </a:r>
-          </a:p>
-          <a:p>
             <a:endParaRPr lang="en-US" dirty="0"/>
           </a:p>
         </p:txBody>
@@ -3429,21 +2994,6 @@
           <a:bodyPr/>
           <a:lstStyle/>
           <a:p>
-            <a:r>
-              <a:rPr lang="en-GB" dirty="0"/>
-              <a:t>Please note – any references that say they are from “Knowledge Base” should be checked. </a:t>
-            </a:r>
-          </a:p>
-          <a:p>
-            <a:endParaRPr lang="en-GB" dirty="0"/>
-          </a:p>
-          <a:p>
-            <a:r>
-              <a:rPr lang="en-GB" dirty="0"/>
-              <a:t>This means that GPT has either extrapolated directly from its knowledge base (vs. a source), or made a leap from a source. Basically, if it says “Knowledge Base” it’s a red flag for a potential hallucination and has to be checked manually. </a:t>
-            </a:r>
-          </a:p>
-          <a:p>
             <a:endParaRPr lang="en-US" dirty="0"/>
           </a:p>
         </p:txBody>
@@ -3528,21 +3078,6 @@
           <a:bodyPr/>
           <a:lstStyle/>
           <a:p>
-            <a:r>
-              <a:rPr lang="en-GB" dirty="0"/>
-              <a:t>Please note – any references that say they are from “Knowledge Base” should be checked. </a:t>
-            </a:r>
-          </a:p>
-          <a:p>
-            <a:endParaRPr lang="en-GB" dirty="0"/>
-          </a:p>
-          <a:p>
-            <a:r>
-              <a:rPr lang="en-GB" dirty="0"/>
-              <a:t>This means that GPT has either extrapolated directly from its knowledge base (vs. a source), or made a leap from a source. Basically, if it says “Knowledge Base” it’s a red flag for a potential hallucination and has to be checked manually. </a:t>
-            </a:r>
-          </a:p>
-          <a:p>
             <a:endParaRPr lang="en-US" dirty="0"/>
           </a:p>
         </p:txBody>
@@ -3627,21 +3162,6 @@
           <a:bodyPr/>
           <a:lstStyle/>
           <a:p>
-            <a:r>
-              <a:rPr lang="en-GB" dirty="0"/>
-              <a:t>Please note – any references that say they are from “Knowledge Base” should be checked. </a:t>
-            </a:r>
-          </a:p>
-          <a:p>
-            <a:endParaRPr lang="en-GB" dirty="0"/>
-          </a:p>
-          <a:p>
-            <a:r>
-              <a:rPr lang="en-GB" dirty="0"/>
-              <a:t>This means that GPT has either extrapolated directly from its knowledge base (vs. a source), or made a leap from a source. Basically, if it says “Knowledge Base” it’s a red flag for a potential hallucination and has to be checked manually. </a:t>
-            </a:r>
-          </a:p>
-          <a:p>
             <a:endParaRPr lang="en-US" dirty="0"/>
           </a:p>
         </p:txBody>
@@ -3726,21 +3246,6 @@
           <a:bodyPr/>
           <a:lstStyle/>
           <a:p>
-            <a:r>
-              <a:rPr lang="en-GB" dirty="0"/>
-              <a:t>Please note – any references that say they are from “Knowledge Base” should be checked. </a:t>
-            </a:r>
-          </a:p>
-          <a:p>
-            <a:endParaRPr lang="en-GB" dirty="0"/>
-          </a:p>
-          <a:p>
-            <a:r>
-              <a:rPr lang="en-GB" dirty="0"/>
-              <a:t>This means that GPT has either extrapolated directly from its knowledge base (vs. a source), or made a leap from a source. Basically, if it says “Knowledge Base” it’s a red flag for a potential hallucination and has to be checked manually. </a:t>
-            </a:r>
-          </a:p>
-          <a:p>
             <a:endParaRPr lang="en-US" dirty="0"/>
           </a:p>
         </p:txBody>
@@ -3825,21 +3330,6 @@
           <a:bodyPr/>
           <a:lstStyle/>
           <a:p>
-            <a:r>
-              <a:rPr lang="en-GB" dirty="0"/>
-              <a:t>Please note – any references that say they are from “Knowledge Base” should be checked. </a:t>
-            </a:r>
-          </a:p>
-          <a:p>
-            <a:endParaRPr lang="en-GB" dirty="0"/>
-          </a:p>
-          <a:p>
-            <a:r>
-              <a:rPr lang="en-GB" dirty="0"/>
-              <a:t>This means that GPT has either extrapolated directly from its knowledge base (vs. a source), or made a leap from a source. Basically, if it says “Knowledge Base” it’s a red flag for a potential hallucination and has to be checked manually. </a:t>
-            </a:r>
-          </a:p>
-          <a:p>
             <a:endParaRPr lang="en-US" dirty="0"/>
           </a:p>
         </p:txBody>
@@ -3924,21 +3414,6 @@
           <a:bodyPr/>
           <a:lstStyle/>
           <a:p>
-            <a:r>
-              <a:rPr lang="en-GB" dirty="0"/>
-              <a:t>Please note – any references that say they are from “Knowledge Base” should be checked. </a:t>
-            </a:r>
-          </a:p>
-          <a:p>
-            <a:endParaRPr lang="en-GB" dirty="0"/>
-          </a:p>
-          <a:p>
-            <a:r>
-              <a:rPr lang="en-GB" dirty="0"/>
-              <a:t>This means that GPT has either extrapolated directly from its knowledge base (vs. a source), or made a leap from a source. Basically, if it says “Knowledge Base” it’s a red flag for a potential hallucination and has to be checked manually. </a:t>
-            </a:r>
-          </a:p>
-          <a:p>
             <a:endParaRPr lang="en-US" dirty="0"/>
           </a:p>
         </p:txBody>
@@ -4023,21 +3498,6 @@
           <a:bodyPr/>
           <a:lstStyle/>
           <a:p>
-            <a:r>
-              <a:rPr lang="en-GB" dirty="0"/>
-              <a:t>Please note – any references that say they are from “Knowledge Base” should be checked. </a:t>
-            </a:r>
-          </a:p>
-          <a:p>
-            <a:endParaRPr lang="en-GB" dirty="0"/>
-          </a:p>
-          <a:p>
-            <a:r>
-              <a:rPr lang="en-GB" dirty="0"/>
-              <a:t>This means that GPT has either extrapolated directly from its knowledge base (vs. a source), or made a leap from a source. Basically, if it says “Knowledge Base” it’s a red flag for a potential hallucination and has to be checked manually. </a:t>
-            </a:r>
-          </a:p>
-          <a:p>
             <a:endParaRPr lang="en-US" dirty="0"/>
           </a:p>
         </p:txBody>
@@ -4122,21 +3582,6 @@
           <a:bodyPr/>
           <a:lstStyle/>
           <a:p>
-            <a:r>
-              <a:rPr lang="en-GB" dirty="0"/>
-              <a:t>Please note – any references that say they are from “Knowledge Base” should be checked. </a:t>
-            </a:r>
-          </a:p>
-          <a:p>
-            <a:endParaRPr lang="en-GB" dirty="0"/>
-          </a:p>
-          <a:p>
-            <a:r>
-              <a:rPr lang="en-GB" dirty="0"/>
-              <a:t>This means that GPT has either extrapolated directly from its knowledge base (vs. a source), or made a leap from a source. Basically, if it says “Knowledge Base” it’s a red flag for a potential hallucination and has to be checked manually. </a:t>
-            </a:r>
-          </a:p>
-          <a:p>
             <a:endParaRPr lang="en-US" dirty="0"/>
           </a:p>
         </p:txBody>
@@ -4221,21 +3666,6 @@
           <a:bodyPr/>
           <a:lstStyle/>
           <a:p>
-            <a:r>
-              <a:rPr lang="en-GB" dirty="0"/>
-              <a:t>Please note – any references that say they are from “Knowledge Base” should be checked. </a:t>
-            </a:r>
-          </a:p>
-          <a:p>
-            <a:endParaRPr lang="en-GB" dirty="0"/>
-          </a:p>
-          <a:p>
-            <a:r>
-              <a:rPr lang="en-GB" dirty="0"/>
-              <a:t>This means that GPT has either extrapolated directly from its knowledge base (vs. a source), or made a leap from a source. Basically, if it says “Knowledge Base” it’s a red flag for a potential hallucination and has to be checked manually. </a:t>
-            </a:r>
-          </a:p>
-          <a:p>
             <a:endParaRPr lang="en-US" dirty="0"/>
           </a:p>
         </p:txBody>
@@ -4320,21 +3750,6 @@
           <a:bodyPr/>
           <a:lstStyle/>
           <a:p>
-            <a:r>
-              <a:rPr lang="en-GB" dirty="0"/>
-              <a:t>Please note – any references that say they are from “Knowledge Base” should be checked. </a:t>
-            </a:r>
-          </a:p>
-          <a:p>
-            <a:endParaRPr lang="en-GB" dirty="0"/>
-          </a:p>
-          <a:p>
-            <a:r>
-              <a:rPr lang="en-GB" dirty="0"/>
-              <a:t>This means that GPT has either extrapolated directly from its knowledge base (vs. a source), or made a leap from a source. Basically, if it says “Knowledge Base” it’s a red flag for a potential hallucination and has to be checked manually. </a:t>
-            </a:r>
-          </a:p>
-          <a:p>
             <a:endParaRPr lang="en-US" dirty="0"/>
           </a:p>
         </p:txBody>
@@ -4419,21 +3834,6 @@
           <a:bodyPr/>
           <a:lstStyle/>
           <a:p>
-            <a:r>
-              <a:rPr lang="en-GB" dirty="0"/>
-              <a:t>Please note – any references that say they are from “Knowledge Base” should be checked. </a:t>
-            </a:r>
-          </a:p>
-          <a:p>
-            <a:endParaRPr lang="en-GB" dirty="0"/>
-          </a:p>
-          <a:p>
-            <a:r>
-              <a:rPr lang="en-GB" dirty="0"/>
-              <a:t>This means that GPT has either extrapolated directly from its knowledge base (vs. a source), or made a leap from a source. Basically, if it says “Knowledge Base” it’s a red flag for a potential hallucination and has to be checked manually. </a:t>
-            </a:r>
-          </a:p>
-          <a:p>
             <a:endParaRPr lang="en-US" dirty="0"/>
           </a:p>
         </p:txBody>
@@ -4518,21 +3918,6 @@
           <a:bodyPr/>
           <a:lstStyle/>
           <a:p>
-            <a:r>
-              <a:rPr lang="en-GB" dirty="0"/>
-              <a:t>Please note – any references that say they are from “Knowledge Base” should be checked. </a:t>
-            </a:r>
-          </a:p>
-          <a:p>
-            <a:endParaRPr lang="en-GB" dirty="0"/>
-          </a:p>
-          <a:p>
-            <a:r>
-              <a:rPr lang="en-GB" dirty="0"/>
-              <a:t>This means that GPT has either extrapolated directly from its knowledge base (vs. a source), or made a leap from a source. Basically, if it says “Knowledge Base” it’s a red flag for a potential hallucination and has to be checked manually. </a:t>
-            </a:r>
-          </a:p>
-          <a:p>
             <a:endParaRPr lang="en-US" dirty="0"/>
           </a:p>
         </p:txBody>
@@ -4617,21 +4002,6 @@
           <a:bodyPr/>
           <a:lstStyle/>
           <a:p>
-            <a:r>
-              <a:rPr lang="en-GB" dirty="0"/>
-              <a:t>Please note – any references that say they are from “Knowledge Base” should be checked. </a:t>
-            </a:r>
-          </a:p>
-          <a:p>
-            <a:endParaRPr lang="en-GB" dirty="0"/>
-          </a:p>
-          <a:p>
-            <a:r>
-              <a:rPr lang="en-GB" dirty="0"/>
-              <a:t>This means that GPT has either extrapolated directly from its knowledge base (vs. a source), or made a leap from a source. Basically, if it says “Knowledge Base” it’s a red flag for a potential hallucination and has to be checked manually. </a:t>
-            </a:r>
-          </a:p>
-          <a:p>
             <a:endParaRPr lang="en-US" dirty="0"/>
           </a:p>
         </p:txBody>
@@ -4716,21 +4086,6 @@
           <a:bodyPr/>
           <a:lstStyle/>
           <a:p>
-            <a:r>
-              <a:rPr lang="en-GB" dirty="0"/>
-              <a:t>Please note – any references that say they are from “Knowledge Base” should be checked. </a:t>
-            </a:r>
-          </a:p>
-          <a:p>
-            <a:endParaRPr lang="en-GB" dirty="0"/>
-          </a:p>
-          <a:p>
-            <a:r>
-              <a:rPr lang="en-GB" dirty="0"/>
-              <a:t>This means that GPT has either extrapolated directly from its knowledge base (vs. a source), or made a leap from a source. Basically, if it says “Knowledge Base” it’s a red flag for a potential hallucination and has to be checked manually. </a:t>
-            </a:r>
-          </a:p>
-          <a:p>
             <a:endParaRPr lang="en-US" dirty="0"/>
           </a:p>
         </p:txBody>
@@ -4815,21 +4170,6 @@
           <a:bodyPr/>
           <a:lstStyle/>
           <a:p>
-            <a:r>
-              <a:rPr lang="en-GB" dirty="0"/>
-              <a:t>Please note – any references that say they are from “Knowledge Base” should be checked. </a:t>
-            </a:r>
-          </a:p>
-          <a:p>
-            <a:endParaRPr lang="en-GB" dirty="0"/>
-          </a:p>
-          <a:p>
-            <a:r>
-              <a:rPr lang="en-GB" dirty="0"/>
-              <a:t>This means that GPT has either extrapolated directly from its knowledge base (vs. a source), or made a leap from a source. Basically, if it says “Knowledge Base” it’s a red flag for a potential hallucination and has to be checked manually. </a:t>
-            </a:r>
-          </a:p>
-          <a:p>
             <a:endParaRPr lang="en-US" dirty="0"/>
           </a:p>
         </p:txBody>
@@ -4914,21 +4254,6 @@
           <a:bodyPr/>
           <a:lstStyle/>
           <a:p>
-            <a:r>
-              <a:rPr lang="en-GB" dirty="0"/>
-              <a:t>Please note – any references that say they are from “Knowledge Base” should be checked. </a:t>
-            </a:r>
-          </a:p>
-          <a:p>
-            <a:endParaRPr lang="en-GB" dirty="0"/>
-          </a:p>
-          <a:p>
-            <a:r>
-              <a:rPr lang="en-GB" dirty="0"/>
-              <a:t>This means that GPT has either extrapolated directly from its knowledge base (vs. a source), or made a leap from a source. Basically, if it says “Knowledge Base” it’s a red flag for a potential hallucination and has to be checked manually. </a:t>
-            </a:r>
-          </a:p>
-          <a:p>
             <a:endParaRPr lang="en-US" dirty="0"/>
           </a:p>
         </p:txBody>
@@ -5013,21 +4338,6 @@
           <a:bodyPr/>
           <a:lstStyle/>
           <a:p>
-            <a:r>
-              <a:rPr lang="en-GB" dirty="0"/>
-              <a:t>Please note – any references that say they are from “Knowledge Base” should be checked. </a:t>
-            </a:r>
-          </a:p>
-          <a:p>
-            <a:endParaRPr lang="en-GB" dirty="0"/>
-          </a:p>
-          <a:p>
-            <a:r>
-              <a:rPr lang="en-GB" dirty="0"/>
-              <a:t>This means that GPT has either extrapolated directly from its knowledge base (vs. a source), or made a leap from a source. Basically, if it says “Knowledge Base” it’s a red flag for a potential hallucination and has to be checked manually. </a:t>
-            </a:r>
-          </a:p>
-          <a:p>
             <a:endParaRPr lang="en-US" dirty="0"/>
           </a:p>
         </p:txBody>
@@ -5112,21 +4422,6 @@
           <a:bodyPr/>
           <a:lstStyle/>
           <a:p>
-            <a:r>
-              <a:rPr lang="en-GB" dirty="0"/>
-              <a:t>Please note – any references that say they are from “Knowledge Base” should be checked. </a:t>
-            </a:r>
-          </a:p>
-          <a:p>
-            <a:endParaRPr lang="en-GB" dirty="0"/>
-          </a:p>
-          <a:p>
-            <a:r>
-              <a:rPr lang="en-GB" dirty="0"/>
-              <a:t>This means that GPT has either extrapolated directly from its knowledge base (vs. a source), or made a leap from a source. Basically, if it says “Knowledge Base” it’s a red flag for a potential hallucination and has to be checked manually. </a:t>
-            </a:r>
-          </a:p>
-          <a:p>
             <a:endParaRPr lang="en-US" dirty="0"/>
           </a:p>
         </p:txBody>
@@ -5211,21 +4506,6 @@
           <a:bodyPr/>
           <a:lstStyle/>
           <a:p>
-            <a:r>
-              <a:rPr lang="en-GB" dirty="0"/>
-              <a:t>Please note – any references that say they are from “Knowledge Base” should be checked. </a:t>
-            </a:r>
-          </a:p>
-          <a:p>
-            <a:endParaRPr lang="en-GB" dirty="0"/>
-          </a:p>
-          <a:p>
-            <a:r>
-              <a:rPr lang="en-GB" dirty="0"/>
-              <a:t>This means that GPT has either extrapolated directly from its knowledge base (vs. a source), or made a leap from a source. Basically, if it says “Knowledge Base” it’s a red flag for a potential hallucination and has to be checked manually. </a:t>
-            </a:r>
-          </a:p>
-          <a:p>
             <a:endParaRPr lang="en-US" dirty="0"/>
           </a:p>
         </p:txBody>
@@ -5310,21 +4590,6 @@
           <a:bodyPr/>
           <a:lstStyle/>
           <a:p>
-            <a:r>
-              <a:rPr lang="en-GB" dirty="0"/>
-              <a:t>Please note – any references that say they are from “Knowledge Base” should be checked. </a:t>
-            </a:r>
-          </a:p>
-          <a:p>
-            <a:endParaRPr lang="en-GB" dirty="0"/>
-          </a:p>
-          <a:p>
-            <a:r>
-              <a:rPr lang="en-GB" dirty="0"/>
-              <a:t>This means that GPT has either extrapolated directly from its knowledge base (vs. a source), or made a leap from a source. Basically, if it says “Knowledge Base” it’s a red flag for a potential hallucination and has to be checked manually. </a:t>
-            </a:r>
-          </a:p>
-          <a:p>
             <a:endParaRPr lang="en-US" dirty="0"/>
           </a:p>
         </p:txBody>
@@ -5408,21 +4673,6 @@
         <p:txBody>
           <a:bodyPr/>
           <a:lstStyle/>
-          <a:p>
-            <a:r>
-              <a:rPr lang="en-GB" dirty="0"/>
-              <a:t>Please note – any references that say they are from “Knowledge Base” should be checked. </a:t>
-            </a:r>
-          </a:p>
-          <a:p>
-            <a:endParaRPr lang="en-GB" dirty="0"/>
-          </a:p>
-          <a:p>
-            <a:r>
-              <a:rPr lang="en-GB" dirty="0"/>
-              <a:t>This means that GPT has either extrapolated directly from its knowledge base (vs. a source), or made a leap from a source. Basically, if it says “Knowledge Base” it’s a red flag for a potential hallucination and has to be checked manually. </a:t>
-            </a:r>
-          </a:p>
           <a:p>
             <a:endParaRPr lang="en-US" dirty="0"/>
           </a:p>
@@ -6897,13 +6147,13 @@
   <p:clrMapOvr>
     <a:masterClrMapping/>
   </p:clrMapOvr>
-  <mc:AlternateContent xmlns:mc="http://schemas.openxmlformats.org/markup-compatibility/2006">
-    <mc:Choice xmlns:p14="http://schemas.microsoft.com/office/powerpoint/2010/main" Requires="p14">
+  <mc:AlternateContent xmlns:mc="http://schemas.openxmlformats.org/markup-compatibility/2006" xmlns:p14="http://schemas.microsoft.com/office/powerpoint/2010/main">
+    <mc:Choice Requires="p14">
       <p:transition spd="med" p14:dur="700">
         <p:fade/>
       </p:transition>
     </mc:Choice>
-    <mc:Fallback>
+    <mc:Fallback xmlns="">
       <p:transition spd="med">
         <p:fade/>
       </p:transition>
@@ -7078,13 +6328,13 @@
   <p:clrMapOvr>
     <a:masterClrMapping/>
   </p:clrMapOvr>
-  <mc:AlternateContent xmlns:mc="http://schemas.openxmlformats.org/markup-compatibility/2006">
-    <mc:Choice xmlns:p14="http://schemas.microsoft.com/office/powerpoint/2010/main" Requires="p14">
+  <mc:AlternateContent xmlns:mc="http://schemas.openxmlformats.org/markup-compatibility/2006" xmlns:p14="http://schemas.microsoft.com/office/powerpoint/2010/main">
+    <mc:Choice Requires="p14">
       <p:transition spd="med" p14:dur="700">
         <p:fade/>
       </p:transition>
     </mc:Choice>
-    <mc:Fallback>
+    <mc:Fallback xmlns="">
       <p:transition spd="med">
         <p:fade/>
       </p:transition>
@@ -7259,13 +6509,13 @@
   <p:clrMapOvr>
     <a:masterClrMapping/>
   </p:clrMapOvr>
-  <mc:AlternateContent xmlns:mc="http://schemas.openxmlformats.org/markup-compatibility/2006">
-    <mc:Choice xmlns:p14="http://schemas.microsoft.com/office/powerpoint/2010/main" Requires="p14">
+  <mc:AlternateContent xmlns:mc="http://schemas.openxmlformats.org/markup-compatibility/2006" xmlns:p14="http://schemas.microsoft.com/office/powerpoint/2010/main">
+    <mc:Choice Requires="p14">
       <p:transition spd="med" p14:dur="700">
         <p:fade/>
       </p:transition>
     </mc:Choice>
-    <mc:Fallback>
+    <mc:Fallback xmlns="">
       <p:transition spd="med">
         <p:fade/>
       </p:transition>
@@ -7440,13 +6690,13 @@
   <p:clrMapOvr>
     <a:masterClrMapping/>
   </p:clrMapOvr>
-  <mc:AlternateContent xmlns:mc="http://schemas.openxmlformats.org/markup-compatibility/2006">
-    <mc:Choice xmlns:p14="http://schemas.microsoft.com/office/powerpoint/2010/main" Requires="p14">
+  <mc:AlternateContent xmlns:mc="http://schemas.openxmlformats.org/markup-compatibility/2006" xmlns:p14="http://schemas.microsoft.com/office/powerpoint/2010/main">
+    <mc:Choice Requires="p14">
       <p:transition spd="med" p14:dur="700">
         <p:fade/>
       </p:transition>
     </mc:Choice>
-    <mc:Fallback>
+    <mc:Fallback xmlns="">
       <p:transition spd="med">
         <p:fade/>
       </p:transition>
@@ -7621,13 +6871,13 @@
   <p:clrMapOvr>
     <a:masterClrMapping/>
   </p:clrMapOvr>
-  <mc:AlternateContent xmlns:mc="http://schemas.openxmlformats.org/markup-compatibility/2006">
-    <mc:Choice xmlns:p14="http://schemas.microsoft.com/office/powerpoint/2010/main" Requires="p14">
+  <mc:AlternateContent xmlns:mc="http://schemas.openxmlformats.org/markup-compatibility/2006" xmlns:p14="http://schemas.microsoft.com/office/powerpoint/2010/main">
+    <mc:Choice Requires="p14">
       <p:transition spd="med" p14:dur="700">
         <p:fade/>
       </p:transition>
     </mc:Choice>
-    <mc:Fallback>
+    <mc:Fallback xmlns="">
       <p:transition spd="med">
         <p:fade/>
       </p:transition>
@@ -7802,13 +7052,13 @@
   <p:clrMapOvr>
     <a:masterClrMapping/>
   </p:clrMapOvr>
-  <mc:AlternateContent xmlns:mc="http://schemas.openxmlformats.org/markup-compatibility/2006">
-    <mc:Choice xmlns:p14="http://schemas.microsoft.com/office/powerpoint/2010/main" Requires="p14">
+  <mc:AlternateContent xmlns:mc="http://schemas.openxmlformats.org/markup-compatibility/2006" xmlns:p14="http://schemas.microsoft.com/office/powerpoint/2010/main">
+    <mc:Choice Requires="p14">
       <p:transition spd="med" p14:dur="700">
         <p:fade/>
       </p:transition>
     </mc:Choice>
-    <mc:Fallback>
+    <mc:Fallback xmlns="">
       <p:transition spd="med">
         <p:fade/>
       </p:transition>
@@ -7983,13 +7233,13 @@
   <p:clrMapOvr>
     <a:masterClrMapping/>
   </p:clrMapOvr>
-  <mc:AlternateContent xmlns:mc="http://schemas.openxmlformats.org/markup-compatibility/2006">
-    <mc:Choice xmlns:p14="http://schemas.microsoft.com/office/powerpoint/2010/main" Requires="p14">
+  <mc:AlternateContent xmlns:mc="http://schemas.openxmlformats.org/markup-compatibility/2006" xmlns:p14="http://schemas.microsoft.com/office/powerpoint/2010/main">
+    <mc:Choice Requires="p14">
       <p:transition spd="med" p14:dur="700">
         <p:fade/>
       </p:transition>
     </mc:Choice>
-    <mc:Fallback>
+    <mc:Fallback xmlns="">
       <p:transition spd="med">
         <p:fade/>
       </p:transition>
@@ -8164,13 +7414,13 @@
   <p:clrMapOvr>
     <a:masterClrMapping/>
   </p:clrMapOvr>
-  <mc:AlternateContent xmlns:mc="http://schemas.openxmlformats.org/markup-compatibility/2006">
-    <mc:Choice xmlns:p14="http://schemas.microsoft.com/office/powerpoint/2010/main" Requires="p14">
+  <mc:AlternateContent xmlns:mc="http://schemas.openxmlformats.org/markup-compatibility/2006" xmlns:p14="http://schemas.microsoft.com/office/powerpoint/2010/main">
+    <mc:Choice Requires="p14">
       <p:transition spd="med" p14:dur="700">
         <p:fade/>
       </p:transition>
     </mc:Choice>
-    <mc:Fallback>
+    <mc:Fallback xmlns="">
       <p:transition spd="med">
         <p:fade/>
       </p:transition>
@@ -8345,13 +7595,13 @@
   <p:clrMapOvr>
     <a:masterClrMapping/>
   </p:clrMapOvr>
-  <mc:AlternateContent xmlns:mc="http://schemas.openxmlformats.org/markup-compatibility/2006">
-    <mc:Choice xmlns:p14="http://schemas.microsoft.com/office/powerpoint/2010/main" Requires="p14">
+  <mc:AlternateContent xmlns:mc="http://schemas.openxmlformats.org/markup-compatibility/2006" xmlns:p14="http://schemas.microsoft.com/office/powerpoint/2010/main">
+    <mc:Choice Requires="p14">
       <p:transition spd="med" p14:dur="700">
         <p:fade/>
       </p:transition>
     </mc:Choice>
-    <mc:Fallback>
+    <mc:Fallback xmlns="">
       <p:transition spd="med">
         <p:fade/>
       </p:transition>
@@ -8526,13 +7776,13 @@
   <p:clrMapOvr>
     <a:masterClrMapping/>
   </p:clrMapOvr>
-  <mc:AlternateContent xmlns:mc="http://schemas.openxmlformats.org/markup-compatibility/2006">
-    <mc:Choice xmlns:p14="http://schemas.microsoft.com/office/powerpoint/2010/main" Requires="p14">
+  <mc:AlternateContent xmlns:mc="http://schemas.openxmlformats.org/markup-compatibility/2006" xmlns:p14="http://schemas.microsoft.com/office/powerpoint/2010/main">
+    <mc:Choice Requires="p14">
       <p:transition spd="med" p14:dur="700">
         <p:fade/>
       </p:transition>
     </mc:Choice>
-    <mc:Fallback>
+    <mc:Fallback xmlns="">
       <p:transition spd="med">
         <p:fade/>
       </p:transition>
@@ -8707,13 +7957,13 @@
   <p:clrMapOvr>
     <a:masterClrMapping/>
   </p:clrMapOvr>
-  <mc:AlternateContent xmlns:mc="http://schemas.openxmlformats.org/markup-compatibility/2006">
-    <mc:Choice xmlns:p14="http://schemas.microsoft.com/office/powerpoint/2010/main" Requires="p14">
+  <mc:AlternateContent xmlns:mc="http://schemas.openxmlformats.org/markup-compatibility/2006" xmlns:p14="http://schemas.microsoft.com/office/powerpoint/2010/main">
+    <mc:Choice Requires="p14">
       <p:transition spd="med" p14:dur="700">
         <p:fade/>
       </p:transition>
     </mc:Choice>
-    <mc:Fallback>
+    <mc:Fallback xmlns="">
       <p:transition spd="med">
         <p:fade/>
       </p:transition>
@@ -8888,13 +8138,13 @@
   <p:clrMapOvr>
     <a:masterClrMapping/>
   </p:clrMapOvr>
-  <mc:AlternateContent xmlns:mc="http://schemas.openxmlformats.org/markup-compatibility/2006">
-    <mc:Choice xmlns:p14="http://schemas.microsoft.com/office/powerpoint/2010/main" Requires="p14">
+  <mc:AlternateContent xmlns:mc="http://schemas.openxmlformats.org/markup-compatibility/2006" xmlns:p14="http://schemas.microsoft.com/office/powerpoint/2010/main">
+    <mc:Choice Requires="p14">
       <p:transition spd="med" p14:dur="700">
         <p:fade/>
       </p:transition>
     </mc:Choice>
-    <mc:Fallback>
+    <mc:Fallback xmlns="">
       <p:transition spd="med">
         <p:fade/>
       </p:transition>
@@ -9069,13 +8319,13 @@
   <p:clrMapOvr>
     <a:masterClrMapping/>
   </p:clrMapOvr>
-  <mc:AlternateContent xmlns:mc="http://schemas.openxmlformats.org/markup-compatibility/2006">
-    <mc:Choice xmlns:p14="http://schemas.microsoft.com/office/powerpoint/2010/main" Requires="p14">
+  <mc:AlternateContent xmlns:mc="http://schemas.openxmlformats.org/markup-compatibility/2006" xmlns:p14="http://schemas.microsoft.com/office/powerpoint/2010/main">
+    <mc:Choice Requires="p14">
       <p:transition spd="med" p14:dur="700">
         <p:fade/>
       </p:transition>
     </mc:Choice>
-    <mc:Fallback>
+    <mc:Fallback xmlns="">
       <p:transition spd="med">
         <p:fade/>
       </p:transition>
@@ -9250,13 +8500,13 @@
   <p:clrMapOvr>
     <a:masterClrMapping/>
   </p:clrMapOvr>
-  <mc:AlternateContent xmlns:mc="http://schemas.openxmlformats.org/markup-compatibility/2006">
-    <mc:Choice xmlns:p14="http://schemas.microsoft.com/office/powerpoint/2010/main" Requires="p14">
+  <mc:AlternateContent xmlns:mc="http://schemas.openxmlformats.org/markup-compatibility/2006" xmlns:p14="http://schemas.microsoft.com/office/powerpoint/2010/main">
+    <mc:Choice Requires="p14">
       <p:transition spd="med" p14:dur="700">
         <p:fade/>
       </p:transition>
     </mc:Choice>
-    <mc:Fallback>
+    <mc:Fallback xmlns="">
       <p:transition spd="med">
         <p:fade/>
       </p:transition>
@@ -9431,13 +8681,13 @@
   <p:clrMapOvr>
     <a:masterClrMapping/>
   </p:clrMapOvr>
-  <mc:AlternateContent xmlns:mc="http://schemas.openxmlformats.org/markup-compatibility/2006">
-    <mc:Choice xmlns:p14="http://schemas.microsoft.com/office/powerpoint/2010/main" Requires="p14">
+  <mc:AlternateContent xmlns:mc="http://schemas.openxmlformats.org/markup-compatibility/2006" xmlns:p14="http://schemas.microsoft.com/office/powerpoint/2010/main">
+    <mc:Choice Requires="p14">
       <p:transition spd="med" p14:dur="700">
         <p:fade/>
       </p:transition>
     </mc:Choice>
-    <mc:Fallback>
+    <mc:Fallback xmlns="">
       <p:transition spd="med">
         <p:fade/>
       </p:transition>
@@ -9612,13 +8862,13 @@
   <p:clrMapOvr>
     <a:masterClrMapping/>
   </p:clrMapOvr>
-  <mc:AlternateContent xmlns:mc="http://schemas.openxmlformats.org/markup-compatibility/2006">
-    <mc:Choice xmlns:p14="http://schemas.microsoft.com/office/powerpoint/2010/main" Requires="p14">
+  <mc:AlternateContent xmlns:mc="http://schemas.openxmlformats.org/markup-compatibility/2006" xmlns:p14="http://schemas.microsoft.com/office/powerpoint/2010/main">
+    <mc:Choice Requires="p14">
       <p:transition spd="med" p14:dur="700">
         <p:fade/>
       </p:transition>
     </mc:Choice>
-    <mc:Fallback>
+    <mc:Fallback xmlns="">
       <p:transition spd="med">
         <p:fade/>
       </p:transition>
@@ -9793,13 +9043,13 @@
   <p:clrMapOvr>
     <a:masterClrMapping/>
   </p:clrMapOvr>
-  <mc:AlternateContent xmlns:mc="http://schemas.openxmlformats.org/markup-compatibility/2006">
-    <mc:Choice xmlns:p14="http://schemas.microsoft.com/office/powerpoint/2010/main" Requires="p14">
+  <mc:AlternateContent xmlns:mc="http://schemas.openxmlformats.org/markup-compatibility/2006" xmlns:p14="http://schemas.microsoft.com/office/powerpoint/2010/main">
+    <mc:Choice Requires="p14">
       <p:transition spd="med" p14:dur="700">
         <p:fade/>
       </p:transition>
     </mc:Choice>
-    <mc:Fallback>
+    <mc:Fallback xmlns="">
       <p:transition spd="med">
         <p:fade/>
       </p:transition>
@@ -9974,13 +9224,13 @@
   <p:clrMapOvr>
     <a:masterClrMapping/>
   </p:clrMapOvr>
-  <mc:AlternateContent xmlns:mc="http://schemas.openxmlformats.org/markup-compatibility/2006">
-    <mc:Choice xmlns:p14="http://schemas.microsoft.com/office/powerpoint/2010/main" Requires="p14">
+  <mc:AlternateContent xmlns:mc="http://schemas.openxmlformats.org/markup-compatibility/2006" xmlns:p14="http://schemas.microsoft.com/office/powerpoint/2010/main">
+    <mc:Choice Requires="p14">
       <p:transition spd="med" p14:dur="700">
         <p:fade/>
       </p:transition>
     </mc:Choice>
-    <mc:Fallback>
+    <mc:Fallback xmlns="">
       <p:transition spd="med">
         <p:fade/>
       </p:transition>
@@ -10155,13 +9405,13 @@
   <p:clrMapOvr>
     <a:masterClrMapping/>
   </p:clrMapOvr>
-  <mc:AlternateContent xmlns:mc="http://schemas.openxmlformats.org/markup-compatibility/2006">
-    <mc:Choice xmlns:p14="http://schemas.microsoft.com/office/powerpoint/2010/main" Requires="p14">
+  <mc:AlternateContent xmlns:mc="http://schemas.openxmlformats.org/markup-compatibility/2006" xmlns:p14="http://schemas.microsoft.com/office/powerpoint/2010/main">
+    <mc:Choice Requires="p14">
       <p:transition spd="med" p14:dur="700">
         <p:fade/>
       </p:transition>
     </mc:Choice>
-    <mc:Fallback>
+    <mc:Fallback xmlns="">
       <p:transition spd="med">
         <p:fade/>
       </p:transition>
@@ -10336,13 +9586,13 @@
   <p:clrMapOvr>
     <a:masterClrMapping/>
   </p:clrMapOvr>
-  <mc:AlternateContent xmlns:mc="http://schemas.openxmlformats.org/markup-compatibility/2006">
-    <mc:Choice xmlns:p14="http://schemas.microsoft.com/office/powerpoint/2010/main" Requires="p14">
+  <mc:AlternateContent xmlns:mc="http://schemas.openxmlformats.org/markup-compatibility/2006" xmlns:p14="http://schemas.microsoft.com/office/powerpoint/2010/main">
+    <mc:Choice Requires="p14">
       <p:transition spd="med" p14:dur="700">
         <p:fade/>
       </p:transition>
     </mc:Choice>
-    <mc:Fallback>
+    <mc:Fallback xmlns="">
       <p:transition spd="med">
         <p:fade/>
       </p:transition>
@@ -10517,13 +9767,13 @@
   <p:clrMapOvr>
     <a:masterClrMapping/>
   </p:clrMapOvr>
-  <mc:AlternateContent xmlns:mc="http://schemas.openxmlformats.org/markup-compatibility/2006">
-    <mc:Choice xmlns:p14="http://schemas.microsoft.com/office/powerpoint/2010/main" Requires="p14">
+  <mc:AlternateContent xmlns:mc="http://schemas.openxmlformats.org/markup-compatibility/2006" xmlns:p14="http://schemas.microsoft.com/office/powerpoint/2010/main">
+    <mc:Choice Requires="p14">
       <p:transition spd="med" p14:dur="700">
         <p:fade/>
       </p:transition>
     </mc:Choice>
-    <mc:Fallback>
+    <mc:Fallback xmlns="">
       <p:transition spd="med">
         <p:fade/>
       </p:transition>
@@ -10698,13 +9948,13 @@
   <p:clrMapOvr>
     <a:masterClrMapping/>
   </p:clrMapOvr>
-  <mc:AlternateContent xmlns:mc="http://schemas.openxmlformats.org/markup-compatibility/2006">
-    <mc:Choice xmlns:p14="http://schemas.microsoft.com/office/powerpoint/2010/main" Requires="p14">
+  <mc:AlternateContent xmlns:mc="http://schemas.openxmlformats.org/markup-compatibility/2006" xmlns:p14="http://schemas.microsoft.com/office/powerpoint/2010/main">
+    <mc:Choice Requires="p14">
       <p:transition spd="med" p14:dur="700">
         <p:fade/>
       </p:transition>
     </mc:Choice>
-    <mc:Fallback>
+    <mc:Fallback xmlns="">
       <p:transition spd="med">
         <p:fade/>
       </p:transition>
@@ -10879,13 +10129,13 @@
   <p:clrMapOvr>
     <a:masterClrMapping/>
   </p:clrMapOvr>
-  <mc:AlternateContent xmlns:mc="http://schemas.openxmlformats.org/markup-compatibility/2006">
-    <mc:Choice xmlns:p14="http://schemas.microsoft.com/office/powerpoint/2010/main" Requires="p14">
+  <mc:AlternateContent xmlns:mc="http://schemas.openxmlformats.org/markup-compatibility/2006" xmlns:p14="http://schemas.microsoft.com/office/powerpoint/2010/main">
+    <mc:Choice Requires="p14">
       <p:transition spd="med" p14:dur="700">
         <p:fade/>
       </p:transition>
     </mc:Choice>
-    <mc:Fallback>
+    <mc:Fallback xmlns="">
       <p:transition spd="med">
         <p:fade/>
       </p:transition>
@@ -11060,13 +10310,13 @@
   <p:clrMapOvr>
     <a:masterClrMapping/>
   </p:clrMapOvr>
-  <mc:AlternateContent xmlns:mc="http://schemas.openxmlformats.org/markup-compatibility/2006">
-    <mc:Choice xmlns:p14="http://schemas.microsoft.com/office/powerpoint/2010/main" Requires="p14">
+  <mc:AlternateContent xmlns:mc="http://schemas.openxmlformats.org/markup-compatibility/2006" xmlns:p14="http://schemas.microsoft.com/office/powerpoint/2010/main">
+    <mc:Choice Requires="p14">
       <p:transition spd="med" p14:dur="700">
         <p:fade/>
       </p:transition>
     </mc:Choice>
-    <mc:Fallback>
+    <mc:Fallback xmlns="">
       <p:transition spd="med">
         <p:fade/>
       </p:transition>
@@ -11241,13 +10491,13 @@
   <p:clrMapOvr>
     <a:masterClrMapping/>
   </p:clrMapOvr>
-  <mc:AlternateContent xmlns:mc="http://schemas.openxmlformats.org/markup-compatibility/2006">
-    <mc:Choice xmlns:p14="http://schemas.microsoft.com/office/powerpoint/2010/main" Requires="p14">
+  <mc:AlternateContent xmlns:mc="http://schemas.openxmlformats.org/markup-compatibility/2006" xmlns:p14="http://schemas.microsoft.com/office/powerpoint/2010/main">
+    <mc:Choice Requires="p14">
       <p:transition spd="med" p14:dur="700">
         <p:fade/>
       </p:transition>
     </mc:Choice>
-    <mc:Fallback>
+    <mc:Fallback xmlns="">
       <p:transition spd="med">
         <p:fade/>
       </p:transition>
@@ -11422,13 +10672,13 @@
   <p:clrMapOvr>
     <a:masterClrMapping/>
   </p:clrMapOvr>
-  <mc:AlternateContent xmlns:mc="http://schemas.openxmlformats.org/markup-compatibility/2006">
-    <mc:Choice xmlns:p14="http://schemas.microsoft.com/office/powerpoint/2010/main" Requires="p14">
+  <mc:AlternateContent xmlns:mc="http://schemas.openxmlformats.org/markup-compatibility/2006" xmlns:p14="http://schemas.microsoft.com/office/powerpoint/2010/main">
+    <mc:Choice Requires="p14">
       <p:transition spd="med" p14:dur="700">
         <p:fade/>
       </p:transition>
     </mc:Choice>
-    <mc:Fallback>
+    <mc:Fallback xmlns="">
       <p:transition spd="med">
         <p:fade/>
       </p:transition>
@@ -11603,13 +10853,13 @@
   <p:clrMapOvr>
     <a:masterClrMapping/>
   </p:clrMapOvr>
-  <mc:AlternateContent xmlns:mc="http://schemas.openxmlformats.org/markup-compatibility/2006">
-    <mc:Choice xmlns:p14="http://schemas.microsoft.com/office/powerpoint/2010/main" Requires="p14">
+  <mc:AlternateContent xmlns:mc="http://schemas.openxmlformats.org/markup-compatibility/2006" xmlns:p14="http://schemas.microsoft.com/office/powerpoint/2010/main">
+    <mc:Choice Requires="p14">
       <p:transition spd="med" p14:dur="700">
         <p:fade/>
       </p:transition>
     </mc:Choice>
-    <mc:Fallback>
+    <mc:Fallback xmlns="">
       <p:transition spd="med">
         <p:fade/>
       </p:transition>
@@ -11784,13 +11034,13 @@
   <p:clrMapOvr>
     <a:masterClrMapping/>
   </p:clrMapOvr>
-  <mc:AlternateContent xmlns:mc="http://schemas.openxmlformats.org/markup-compatibility/2006">
-    <mc:Choice xmlns:p14="http://schemas.microsoft.com/office/powerpoint/2010/main" Requires="p14">
+  <mc:AlternateContent xmlns:mc="http://schemas.openxmlformats.org/markup-compatibility/2006" xmlns:p14="http://schemas.microsoft.com/office/powerpoint/2010/main">
+    <mc:Choice Requires="p14">
       <p:transition spd="med" p14:dur="700">
         <p:fade/>
       </p:transition>
     </mc:Choice>
-    <mc:Fallback>
+    <mc:Fallback xmlns="">
       <p:transition spd="med">
         <p:fade/>
       </p:transition>
@@ -11965,13 +11215,13 @@
   <p:clrMapOvr>
     <a:masterClrMapping/>
   </p:clrMapOvr>
-  <mc:AlternateContent xmlns:mc="http://schemas.openxmlformats.org/markup-compatibility/2006">
-    <mc:Choice xmlns:p14="http://schemas.microsoft.com/office/powerpoint/2010/main" Requires="p14">
+  <mc:AlternateContent xmlns:mc="http://schemas.openxmlformats.org/markup-compatibility/2006" xmlns:p14="http://schemas.microsoft.com/office/powerpoint/2010/main">
+    <mc:Choice Requires="p14">
       <p:transition spd="med" p14:dur="700">
         <p:fade/>
       </p:transition>
     </mc:Choice>
-    <mc:Fallback>
+    <mc:Fallback xmlns="">
       <p:transition spd="med">
         <p:fade/>
       </p:transition>
@@ -12146,13 +11396,13 @@
   <p:clrMapOvr>
     <a:masterClrMapping/>
   </p:clrMapOvr>
-  <mc:AlternateContent xmlns:mc="http://schemas.openxmlformats.org/markup-compatibility/2006">
-    <mc:Choice xmlns:p14="http://schemas.microsoft.com/office/powerpoint/2010/main" Requires="p14">
+  <mc:AlternateContent xmlns:mc="http://schemas.openxmlformats.org/markup-compatibility/2006" xmlns:p14="http://schemas.microsoft.com/office/powerpoint/2010/main">
+    <mc:Choice Requires="p14">
       <p:transition spd="med" p14:dur="700">
         <p:fade/>
       </p:transition>
     </mc:Choice>
-    <mc:Fallback>
+    <mc:Fallback xmlns="">
       <p:transition spd="med">
         <p:fade/>
       </p:transition>
@@ -12327,13 +11577,13 @@
   <p:clrMapOvr>
     <a:masterClrMapping/>
   </p:clrMapOvr>
-  <mc:AlternateContent xmlns:mc="http://schemas.openxmlformats.org/markup-compatibility/2006">
-    <mc:Choice xmlns:p14="http://schemas.microsoft.com/office/powerpoint/2010/main" Requires="p14">
+  <mc:AlternateContent xmlns:mc="http://schemas.openxmlformats.org/markup-compatibility/2006" xmlns:p14="http://schemas.microsoft.com/office/powerpoint/2010/main">
+    <mc:Choice Requires="p14">
       <p:transition spd="med" p14:dur="700">
         <p:fade/>
       </p:transition>
     </mc:Choice>
-    <mc:Fallback>
+    <mc:Fallback xmlns="">
       <p:transition spd="med">
         <p:fade/>
       </p:transition>
@@ -12508,13 +11758,13 @@
   <p:clrMapOvr>
     <a:masterClrMapping/>
   </p:clrMapOvr>
-  <mc:AlternateContent xmlns:mc="http://schemas.openxmlformats.org/markup-compatibility/2006">
-    <mc:Choice xmlns:p14="http://schemas.microsoft.com/office/powerpoint/2010/main" Requires="p14">
+  <mc:AlternateContent xmlns:mc="http://schemas.openxmlformats.org/markup-compatibility/2006" xmlns:p14="http://schemas.microsoft.com/office/powerpoint/2010/main">
+    <mc:Choice Requires="p14">
       <p:transition spd="med" p14:dur="700">
         <p:fade/>
       </p:transition>
     </mc:Choice>
-    <mc:Fallback>
+    <mc:Fallback xmlns="">
       <p:transition spd="med">
         <p:fade/>
       </p:transition>
@@ -12689,13 +11939,13 @@
   <p:clrMapOvr>
     <a:masterClrMapping/>
   </p:clrMapOvr>
-  <mc:AlternateContent xmlns:mc="http://schemas.openxmlformats.org/markup-compatibility/2006">
-    <mc:Choice xmlns:p14="http://schemas.microsoft.com/office/powerpoint/2010/main" Requires="p14">
+  <mc:AlternateContent xmlns:mc="http://schemas.openxmlformats.org/markup-compatibility/2006" xmlns:p14="http://schemas.microsoft.com/office/powerpoint/2010/main">
+    <mc:Choice Requires="p14">
       <p:transition spd="med" p14:dur="700">
         <p:fade/>
       </p:transition>
     </mc:Choice>
-    <mc:Fallback>
+    <mc:Fallback xmlns="">
       <p:transition spd="med">
         <p:fade/>
       </p:transition>
@@ -12870,13 +12120,13 @@
   <p:clrMapOvr>
     <a:masterClrMapping/>
   </p:clrMapOvr>
-  <mc:AlternateContent xmlns:mc="http://schemas.openxmlformats.org/markup-compatibility/2006">
-    <mc:Choice xmlns:p14="http://schemas.microsoft.com/office/powerpoint/2010/main" Requires="p14">
+  <mc:AlternateContent xmlns:mc="http://schemas.openxmlformats.org/markup-compatibility/2006" xmlns:p14="http://schemas.microsoft.com/office/powerpoint/2010/main">
+    <mc:Choice Requires="p14">
       <p:transition spd="med" p14:dur="700">
         <p:fade/>
       </p:transition>
     </mc:Choice>
-    <mc:Fallback>
+    <mc:Fallback xmlns="">
       <p:transition spd="med">
         <p:fade/>
       </p:transition>
@@ -13051,13 +12301,13 @@
   <p:clrMapOvr>
     <a:masterClrMapping/>
   </p:clrMapOvr>
-  <mc:AlternateContent xmlns:mc="http://schemas.openxmlformats.org/markup-compatibility/2006">
-    <mc:Choice xmlns:p14="http://schemas.microsoft.com/office/powerpoint/2010/main" Requires="p14">
+  <mc:AlternateContent xmlns:mc="http://schemas.openxmlformats.org/markup-compatibility/2006" xmlns:p14="http://schemas.microsoft.com/office/powerpoint/2010/main">
+    <mc:Choice Requires="p14">
       <p:transition spd="med" p14:dur="700">
         <p:fade/>
       </p:transition>
     </mc:Choice>
-    <mc:Fallback>
+    <mc:Fallback xmlns="">
       <p:transition spd="med">
         <p:fade/>
       </p:transition>
@@ -13232,13 +12482,13 @@
   <p:clrMapOvr>
     <a:masterClrMapping/>
   </p:clrMapOvr>
-  <mc:AlternateContent xmlns:mc="http://schemas.openxmlformats.org/markup-compatibility/2006">
-    <mc:Choice xmlns:p14="http://schemas.microsoft.com/office/powerpoint/2010/main" Requires="p14">
+  <mc:AlternateContent xmlns:mc="http://schemas.openxmlformats.org/markup-compatibility/2006" xmlns:p14="http://schemas.microsoft.com/office/powerpoint/2010/main">
+    <mc:Choice Requires="p14">
       <p:transition spd="med" p14:dur="700">
         <p:fade/>
       </p:transition>
     </mc:Choice>
-    <mc:Fallback>
+    <mc:Fallback xmlns="">
       <p:transition spd="med">
         <p:fade/>
       </p:transition>
@@ -13413,13 +12663,13 @@
   <p:clrMapOvr>
     <a:masterClrMapping/>
   </p:clrMapOvr>
-  <mc:AlternateContent xmlns:mc="http://schemas.openxmlformats.org/markup-compatibility/2006">
-    <mc:Choice xmlns:p14="http://schemas.microsoft.com/office/powerpoint/2010/main" Requires="p14">
+  <mc:AlternateContent xmlns:mc="http://schemas.openxmlformats.org/markup-compatibility/2006" xmlns:p14="http://schemas.microsoft.com/office/powerpoint/2010/main">
+    <mc:Choice Requires="p14">
       <p:transition spd="med" p14:dur="700">
         <p:fade/>
       </p:transition>
     </mc:Choice>
-    <mc:Fallback>
+    <mc:Fallback xmlns="">
       <p:transition spd="med">
         <p:fade/>
       </p:transition>
@@ -13594,13 +12844,13 @@
   <p:clrMapOvr>
     <a:masterClrMapping/>
   </p:clrMapOvr>
-  <mc:AlternateContent xmlns:mc="http://schemas.openxmlformats.org/markup-compatibility/2006">
-    <mc:Choice xmlns:p14="http://schemas.microsoft.com/office/powerpoint/2010/main" Requires="p14">
+  <mc:AlternateContent xmlns:mc="http://schemas.openxmlformats.org/markup-compatibility/2006" xmlns:p14="http://schemas.microsoft.com/office/powerpoint/2010/main">
+    <mc:Choice Requires="p14">
       <p:transition spd="med" p14:dur="700">
         <p:fade/>
       </p:transition>
     </mc:Choice>
-    <mc:Fallback>
+    <mc:Fallback xmlns="">
       <p:transition spd="med">
         <p:fade/>
       </p:transition>
@@ -13775,13 +13025,13 @@
   <p:clrMapOvr>
     <a:masterClrMapping/>
   </p:clrMapOvr>
-  <mc:AlternateContent xmlns:mc="http://schemas.openxmlformats.org/markup-compatibility/2006">
-    <mc:Choice xmlns:p14="http://schemas.microsoft.com/office/powerpoint/2010/main" Requires="p14">
+  <mc:AlternateContent xmlns:mc="http://schemas.openxmlformats.org/markup-compatibility/2006" xmlns:p14="http://schemas.microsoft.com/office/powerpoint/2010/main">
+    <mc:Choice Requires="p14">
       <p:transition spd="med" p14:dur="700">
         <p:fade/>
       </p:transition>
     </mc:Choice>
-    <mc:Fallback>
+    <mc:Fallback xmlns="">
       <p:transition spd="med">
         <p:fade/>
       </p:transition>
@@ -13956,13 +13206,13 @@
   <p:clrMapOvr>
     <a:masterClrMapping/>
   </p:clrMapOvr>
-  <mc:AlternateContent xmlns:mc="http://schemas.openxmlformats.org/markup-compatibility/2006">
-    <mc:Choice xmlns:p14="http://schemas.microsoft.com/office/powerpoint/2010/main" Requires="p14">
+  <mc:AlternateContent xmlns:mc="http://schemas.openxmlformats.org/markup-compatibility/2006" xmlns:p14="http://schemas.microsoft.com/office/powerpoint/2010/main">
+    <mc:Choice Requires="p14">
       <p:transition spd="med" p14:dur="700">
         <p:fade/>
       </p:transition>
     </mc:Choice>
-    <mc:Fallback>
+    <mc:Fallback xmlns="">
       <p:transition spd="med">
         <p:fade/>
       </p:transition>
@@ -14137,13 +13387,13 @@
   <p:clrMapOvr>
     <a:masterClrMapping/>
   </p:clrMapOvr>
-  <mc:AlternateContent xmlns:mc="http://schemas.openxmlformats.org/markup-compatibility/2006">
-    <mc:Choice xmlns:p14="http://schemas.microsoft.com/office/powerpoint/2010/main" Requires="p14">
+  <mc:AlternateContent xmlns:mc="http://schemas.openxmlformats.org/markup-compatibility/2006" xmlns:p14="http://schemas.microsoft.com/office/powerpoint/2010/main">
+    <mc:Choice Requires="p14">
       <p:transition spd="med" p14:dur="700">
         <p:fade/>
       </p:transition>
     </mc:Choice>
-    <mc:Fallback>
+    <mc:Fallback xmlns="">
       <p:transition spd="med">
         <p:fade/>
       </p:transition>
@@ -14318,13 +13568,13 @@
   <p:clrMapOvr>
     <a:masterClrMapping/>
   </p:clrMapOvr>
-  <mc:AlternateContent xmlns:mc="http://schemas.openxmlformats.org/markup-compatibility/2006">
-    <mc:Choice xmlns:p14="http://schemas.microsoft.com/office/powerpoint/2010/main" Requires="p14">
+  <mc:AlternateContent xmlns:mc="http://schemas.openxmlformats.org/markup-compatibility/2006" xmlns:p14="http://schemas.microsoft.com/office/powerpoint/2010/main">
+    <mc:Choice Requires="p14">
       <p:transition spd="med" p14:dur="700">
         <p:fade/>
       </p:transition>
     </mc:Choice>
-    <mc:Fallback>
+    <mc:Fallback xmlns="">
       <p:transition spd="med">
         <p:fade/>
       </p:transition>
@@ -14499,13 +13749,13 @@
   <p:clrMapOvr>
     <a:masterClrMapping/>
   </p:clrMapOvr>
-  <mc:AlternateContent xmlns:mc="http://schemas.openxmlformats.org/markup-compatibility/2006">
-    <mc:Choice xmlns:p14="http://schemas.microsoft.com/office/powerpoint/2010/main" Requires="p14">
+  <mc:AlternateContent xmlns:mc="http://schemas.openxmlformats.org/markup-compatibility/2006" xmlns:p14="http://schemas.microsoft.com/office/powerpoint/2010/main">
+    <mc:Choice Requires="p14">
       <p:transition spd="med" p14:dur="700">
         <p:fade/>
       </p:transition>
     </mc:Choice>
-    <mc:Fallback>
+    <mc:Fallback xmlns="">
       <p:transition spd="med">
         <p:fade/>
       </p:transition>
@@ -14680,13 +13930,13 @@
   <p:clrMapOvr>
     <a:masterClrMapping/>
   </p:clrMapOvr>
-  <mc:AlternateContent xmlns:mc="http://schemas.openxmlformats.org/markup-compatibility/2006">
-    <mc:Choice xmlns:p14="http://schemas.microsoft.com/office/powerpoint/2010/main" Requires="p14">
+  <mc:AlternateContent xmlns:mc="http://schemas.openxmlformats.org/markup-compatibility/2006" xmlns:p14="http://schemas.microsoft.com/office/powerpoint/2010/main">
+    <mc:Choice Requires="p14">
       <p:transition spd="med" p14:dur="700">
         <p:fade/>
       </p:transition>
     </mc:Choice>
-    <mc:Fallback>
+    <mc:Fallback xmlns="">
       <p:transition spd="med">
         <p:fade/>
       </p:transition>
@@ -14861,13 +14111,13 @@
   <p:clrMapOvr>
     <a:masterClrMapping/>
   </p:clrMapOvr>
-  <mc:AlternateContent xmlns:mc="http://schemas.openxmlformats.org/markup-compatibility/2006">
-    <mc:Choice xmlns:p14="http://schemas.microsoft.com/office/powerpoint/2010/main" Requires="p14">
+  <mc:AlternateContent xmlns:mc="http://schemas.openxmlformats.org/markup-compatibility/2006" xmlns:p14="http://schemas.microsoft.com/office/powerpoint/2010/main">
+    <mc:Choice Requires="p14">
       <p:transition spd="med" p14:dur="700">
         <p:fade/>
       </p:transition>
     </mc:Choice>
-    <mc:Fallback>
+    <mc:Fallback xmlns="">
       <p:transition spd="med">
         <p:fade/>
       </p:transition>
@@ -15042,13 +14292,13 @@
   <p:clrMapOvr>
     <a:masterClrMapping/>
   </p:clrMapOvr>
-  <mc:AlternateContent xmlns:mc="http://schemas.openxmlformats.org/markup-compatibility/2006">
-    <mc:Choice xmlns:p14="http://schemas.microsoft.com/office/powerpoint/2010/main" Requires="p14">
+  <mc:AlternateContent xmlns:mc="http://schemas.openxmlformats.org/markup-compatibility/2006" xmlns:p14="http://schemas.microsoft.com/office/powerpoint/2010/main">
+    <mc:Choice Requires="p14">
       <p:transition spd="med" p14:dur="700">
         <p:fade/>
       </p:transition>
     </mc:Choice>
-    <mc:Fallback>
+    <mc:Fallback xmlns="">
       <p:transition spd="med">
         <p:fade/>
       </p:transition>
@@ -15223,13 +14473,13 @@
   <p:clrMapOvr>
     <a:masterClrMapping/>
   </p:clrMapOvr>
-  <mc:AlternateContent xmlns:mc="http://schemas.openxmlformats.org/markup-compatibility/2006">
-    <mc:Choice xmlns:p14="http://schemas.microsoft.com/office/powerpoint/2010/main" Requires="p14">
+  <mc:AlternateContent xmlns:mc="http://schemas.openxmlformats.org/markup-compatibility/2006" xmlns:p14="http://schemas.microsoft.com/office/powerpoint/2010/main">
+    <mc:Choice Requires="p14">
       <p:transition spd="med" p14:dur="700">
         <p:fade/>
       </p:transition>
     </mc:Choice>
-    <mc:Fallback>
+    <mc:Fallback xmlns="">
       <p:transition spd="med">
         <p:fade/>
       </p:transition>
@@ -15404,13 +14654,13 @@
   <p:clrMapOvr>
     <a:masterClrMapping/>
   </p:clrMapOvr>
-  <mc:AlternateContent xmlns:mc="http://schemas.openxmlformats.org/markup-compatibility/2006">
-    <mc:Choice xmlns:p14="http://schemas.microsoft.com/office/powerpoint/2010/main" Requires="p14">
+  <mc:AlternateContent xmlns:mc="http://schemas.openxmlformats.org/markup-compatibility/2006" xmlns:p14="http://schemas.microsoft.com/office/powerpoint/2010/main">
+    <mc:Choice Requires="p14">
       <p:transition spd="med" p14:dur="700">
         <p:fade/>
       </p:transition>
     </mc:Choice>
-    <mc:Fallback>
+    <mc:Fallback xmlns="">
       <p:transition spd="med">
         <p:fade/>
       </p:transition>
@@ -15585,13 +14835,13 @@
   <p:clrMapOvr>
     <a:masterClrMapping/>
   </p:clrMapOvr>
-  <mc:AlternateContent xmlns:mc="http://schemas.openxmlformats.org/markup-compatibility/2006">
-    <mc:Choice xmlns:p14="http://schemas.microsoft.com/office/powerpoint/2010/main" Requires="p14">
+  <mc:AlternateContent xmlns:mc="http://schemas.openxmlformats.org/markup-compatibility/2006" xmlns:p14="http://schemas.microsoft.com/office/powerpoint/2010/main">
+    <mc:Choice Requires="p14">
       <p:transition spd="med" p14:dur="700">
         <p:fade/>
       </p:transition>
     </mc:Choice>
-    <mc:Fallback>
+    <mc:Fallback xmlns="">
       <p:transition spd="med">
         <p:fade/>
       </p:transition>
@@ -16277,15 +15527,6 @@
 </file>
 
 <file path=customXml/item1.xml><?xml version="1.0" encoding="utf-8"?>
-<?mso-contentType ?>
-<FormTemplates xmlns="http://schemas.microsoft.com/sharepoint/v3/contenttype/forms">
-  <Display>DocumentLibraryForm</Display>
-  <Edit>DocumentLibraryForm</Edit>
-  <New>DocumentLibraryForm</New>
-</FormTemplates>
-</file>
-
-<file path=customXml/item2.xml><?xml version="1.0" encoding="utf-8"?>
 <p:properties xmlns:p="http://schemas.microsoft.com/office/2006/metadata/properties" xmlns:xsi="http://www.w3.org/2001/XMLSchema-instance" xmlns:pc="http://schemas.microsoft.com/office/infopath/2007/PartnerControls">
   <documentManagement>
     <TaxCatchAll xmlns="9bea065c-4598-471b-a0d8-b208471d6a41" xsi:nil="true"/>
@@ -16296,7 +15537,7 @@
 </p:properties>
 </file>
 
-<file path=customXml/item3.xml><?xml version="1.0" encoding="utf-8"?>
+<file path=customXml/item2.xml><?xml version="1.0" encoding="utf-8"?>
 <ct:contentTypeSchema xmlns:ct="http://schemas.microsoft.com/office/2006/metadata/contentType" xmlns:ma="http://schemas.microsoft.com/office/2006/metadata/properties/metaAttributes" ct:_="" ma:_="" ma:contentTypeName="Document" ma:contentTypeID="0x010100A2CD2B7DD7D5E348A4B5B847AD49C1E4" ma:contentTypeVersion="15" ma:contentTypeDescription="Create a new document." ma:contentTypeScope="" ma:versionID="8e0e392dcf65750e3ad704a59f705fb3">
   <xsd:schema xmlns:xsd="http://www.w3.org/2001/XMLSchema" xmlns:xs="http://www.w3.org/2001/XMLSchema" xmlns:p="http://schemas.microsoft.com/office/2006/metadata/properties" xmlns:ns2="737cdb0d-9f15-48ec-9529-975a91239bb1" xmlns:ns3="9bea065c-4598-471b-a0d8-b208471d6a41" targetNamespace="http://schemas.microsoft.com/office/2006/metadata/properties" ma:root="true" ma:fieldsID="16d7d9ff6e2e2d483fddd166083c89fa" ns2:_="" ns3:_="">
     <xsd:import namespace="737cdb0d-9f15-48ec-9529-975a91239bb1"/>
@@ -16531,15 +15772,16 @@
 </ct:contentTypeSchema>
 </file>
 
-<file path=customXml/itemProps1.xml><?xml version="1.0" encoding="utf-8"?>
-<ds:datastoreItem xmlns:ds="http://schemas.openxmlformats.org/officeDocument/2006/customXml" ds:itemID="{3BB299B6-1159-4940-B296-E198453C8E80}">
-  <ds:schemaRefs>
-    <ds:schemaRef ds:uri="http://schemas.microsoft.com/sharepoint/v3/contenttype/forms"/>
-  </ds:schemaRefs>
-</ds:datastoreItem>
+<file path=customXml/item3.xml><?xml version="1.0" encoding="utf-8"?>
+<?mso-contentType ?>
+<FormTemplates xmlns="http://schemas.microsoft.com/sharepoint/v3/contenttype/forms">
+  <Display>DocumentLibraryForm</Display>
+  <Edit>DocumentLibraryForm</Edit>
+  <New>DocumentLibraryForm</New>
+</FormTemplates>
 </file>
 
-<file path=customXml/itemProps2.xml><?xml version="1.0" encoding="utf-8"?>
+<file path=customXml/itemProps1.xml><?xml version="1.0" encoding="utf-8"?>
 <ds:datastoreItem xmlns:ds="http://schemas.openxmlformats.org/officeDocument/2006/customXml" ds:itemID="{9674E985-4D59-45AB-8970-AD8E2C92CE21}">
   <ds:schemaRefs>
     <ds:schemaRef ds:uri="9bea065c-4598-471b-a0d8-b208471d6a41"/>
@@ -16556,7 +15798,7 @@
 </ds:datastoreItem>
 </file>
 
-<file path=customXml/itemProps3.xml><?xml version="1.0" encoding="utf-8"?>
+<file path=customXml/itemProps2.xml><?xml version="1.0" encoding="utf-8"?>
 <ds:datastoreItem xmlns:ds="http://schemas.openxmlformats.org/officeDocument/2006/customXml" ds:itemID="{C4D443D4-D2BB-47D9-93BA-F264F5B47780}">
   <ds:schemaRefs>
     <ds:schemaRef ds:uri="737cdb0d-9f15-48ec-9529-975a91239bb1"/>
@@ -16573,4 +15815,12 @@
     <ds:schemaRef ds:uri="http://www.w3.org/2001/XMLSchema"/>
   </ds:schemaRefs>
 </ds:datastoreItem>
+</file>
+
+<file path=customXml/itemProps3.xml><?xml version="1.0" encoding="utf-8"?>
+<ds:datastoreItem xmlns:ds="http://schemas.openxmlformats.org/officeDocument/2006/customXml" ds:itemID="{3BB299B6-1159-4940-B296-E198453C8E80}">
+  <ds:schemaRefs>
+    <ds:schemaRef ds:uri="http://schemas.microsoft.com/sharepoint/v3/contenttype/forms"/>
+  </ds:schemaRefs>
+</ds:datastoreItem>
 </file>